--- a/clinical-research-methodology/results/video11-data-management.pptx
+++ b/clinical-research-methodology/results/video11-data-management.pptx
@@ -40688,6 +40688,1138 @@
             <a:r>
               <a:rPr/>
               <a:t>The</a:t>
+            </a:r>
+            <a:r>
+              <a:rPr/>
+              <a:t> </a:t>
+            </a:r>
+            <a:r>
+              <a:rPr/>
+              <a:t>individual</a:t>
+            </a:r>
+            <a:r>
+              <a:rPr/>
+              <a:t> </a:t>
+            </a:r>
+            <a:r>
+              <a:rPr/>
+              <a:t>data</a:t>
+            </a:r>
+            <a:r>
+              <a:rPr/>
+              <a:t> </a:t>
+            </a:r>
+            <a:r>
+              <a:rPr/>
+              <a:t>values</a:t>
+            </a:r>
+            <a:r>
+              <a:rPr/>
+              <a:t> </a:t>
+            </a:r>
+            <a:r>
+              <a:rPr/>
+              <a:t>are</a:t>
+            </a:r>
+            <a:r>
+              <a:rPr/>
+              <a:t> </a:t>
+            </a:r>
+            <a:r>
+              <a:rPr/>
+              <a:t>limited</a:t>
+            </a:r>
+            <a:r>
+              <a:rPr/>
+              <a:t> </a:t>
+            </a:r>
+            <a:r>
+              <a:rPr/>
+              <a:t>to</a:t>
+            </a:r>
+            <a:r>
+              <a:rPr/>
+              <a:t> </a:t>
+            </a:r>
+            <a:r>
+              <a:rPr/>
+              <a:t>specific</a:t>
+            </a:r>
+            <a:r>
+              <a:rPr/>
+              <a:t> </a:t>
+            </a:r>
+            <a:r>
+              <a:rPr/>
+              <a:t>columns</a:t>
+            </a:r>
+            <a:r>
+              <a:rPr/>
+              <a:t> </a:t>
+            </a:r>
+            <a:r>
+              <a:rPr/>
+              <a:t>and</a:t>
+            </a:r>
+            <a:r>
+              <a:rPr/>
+              <a:t> </a:t>
+            </a:r>
+            <a:r>
+              <a:rPr/>
+              <a:t>are</a:t>
+            </a:r>
+            <a:r>
+              <a:rPr/>
+              <a:t> </a:t>
+            </a:r>
+            <a:r>
+              <a:rPr/>
+              <a:t>not</a:t>
+            </a:r>
+            <a:r>
+              <a:rPr/>
+              <a:t> </a:t>
+            </a:r>
+            <a:r>
+              <a:rPr/>
+              <a:t>allowed</a:t>
+            </a:r>
+            <a:r>
+              <a:rPr/>
+              <a:t> </a:t>
+            </a:r>
+            <a:r>
+              <a:rPr/>
+              <a:t>to</a:t>
+            </a:r>
+            <a:r>
+              <a:rPr/>
+              <a:t> </a:t>
+            </a:r>
+            <a:r>
+              <a:rPr/>
+              <a:t>creep</a:t>
+            </a:r>
+            <a:r>
+              <a:rPr/>
+              <a:t> </a:t>
+            </a:r>
+            <a:r>
+              <a:rPr/>
+              <a:t>over</a:t>
+            </a:r>
+            <a:r>
+              <a:rPr/>
+              <a:t> </a:t>
+            </a:r>
+            <a:r>
+              <a:rPr/>
+              <a:t>into</a:t>
+            </a:r>
+            <a:r>
+              <a:rPr/>
+              <a:t> </a:t>
+            </a:r>
+            <a:r>
+              <a:rPr/>
+              <a:t>the</a:t>
+            </a:r>
+            <a:r>
+              <a:rPr/>
+              <a:t> </a:t>
+            </a:r>
+            <a:r>
+              <a:rPr/>
+              <a:t>wrong</a:t>
+            </a:r>
+            <a:r>
+              <a:rPr/>
+              <a:t> </a:t>
+            </a:r>
+            <a:r>
+              <a:rPr/>
+              <a:t>columns.</a:t>
+            </a:r>
+            <a:r>
+              <a:rPr/>
+              <a:t> </a:t>
+            </a:r>
+            <a:r>
+              <a:rPr/>
+              <a:t>It</a:t>
+            </a:r>
+            <a:r>
+              <a:rPr/>
+              <a:t> </a:t>
+            </a:r>
+            <a:r>
+              <a:rPr/>
+              <a:t>takes</a:t>
+            </a:r>
+            <a:r>
+              <a:rPr/>
+              <a:t> </a:t>
+            </a:r>
+            <a:r>
+              <a:rPr/>
+              <a:t>a</a:t>
+            </a:r>
+            <a:r>
+              <a:rPr/>
+              <a:t> </a:t>
+            </a:r>
+            <a:r>
+              <a:rPr/>
+              <a:t>bit</a:t>
+            </a:r>
+            <a:r>
+              <a:rPr/>
+              <a:t> </a:t>
+            </a:r>
+            <a:r>
+              <a:rPr/>
+              <a:t>of</a:t>
+            </a:r>
+            <a:r>
+              <a:rPr/>
+              <a:t> </a:t>
+            </a:r>
+            <a:r>
+              <a:rPr/>
+              <a:t>planning</a:t>
+            </a:r>
+            <a:r>
+              <a:rPr/>
+              <a:t> </a:t>
+            </a:r>
+            <a:r>
+              <a:rPr/>
+              <a:t>to</a:t>
+            </a:r>
+            <a:r>
+              <a:rPr/>
+              <a:t> </a:t>
+            </a:r>
+            <a:r>
+              <a:rPr/>
+              <a:t>develop</a:t>
+            </a:r>
+            <a:r>
+              <a:rPr/>
+              <a:t> </a:t>
+            </a:r>
+            <a:r>
+              <a:rPr/>
+              <a:t>a</a:t>
+            </a:r>
+            <a:r>
+              <a:rPr/>
+              <a:t> </a:t>
+            </a:r>
+            <a:r>
+              <a:rPr/>
+              <a:t>fixed</a:t>
+            </a:r>
+            <a:r>
+              <a:rPr/>
+              <a:t> </a:t>
+            </a:r>
+            <a:r>
+              <a:rPr/>
+              <a:t>width</a:t>
+            </a:r>
+            <a:r>
+              <a:rPr/>
+              <a:t> </a:t>
+            </a:r>
+            <a:r>
+              <a:rPr/>
+              <a:t>format,</a:t>
+            </a:r>
+            <a:r>
+              <a:rPr/>
+              <a:t> </a:t>
+            </a:r>
+            <a:r>
+              <a:rPr/>
+              <a:t>because</a:t>
+            </a:r>
+            <a:r>
+              <a:rPr/>
+              <a:t> </a:t>
+            </a:r>
+            <a:r>
+              <a:rPr/>
+              <a:t>you</a:t>
+            </a:r>
+            <a:r>
+              <a:rPr/>
+              <a:t> </a:t>
+            </a:r>
+            <a:r>
+              <a:rPr/>
+              <a:t>need</a:t>
+            </a:r>
+            <a:r>
+              <a:rPr/>
+              <a:t> </a:t>
+            </a:r>
+            <a:r>
+              <a:rPr/>
+              <a:t>to</a:t>
+            </a:r>
+            <a:r>
+              <a:rPr/>
+              <a:t> </a:t>
+            </a:r>
+            <a:r>
+              <a:rPr/>
+              <a:t>specify,</a:t>
+            </a:r>
+            <a:r>
+              <a:rPr/>
+              <a:t> </a:t>
+            </a:r>
+            <a:r>
+              <a:rPr/>
+              <a:t>in</a:t>
+            </a:r>
+            <a:r>
+              <a:rPr/>
+              <a:t> </a:t>
+            </a:r>
+            <a:r>
+              <a:rPr/>
+              <a:t>advance,</a:t>
+            </a:r>
+            <a:r>
+              <a:rPr/>
+              <a:t> </a:t>
+            </a:r>
+            <a:r>
+              <a:rPr/>
+              <a:t>how</a:t>
+            </a:r>
+            <a:r>
+              <a:rPr/>
+              <a:t> </a:t>
+            </a:r>
+            <a:r>
+              <a:rPr/>
+              <a:t>many</a:t>
+            </a:r>
+            <a:r>
+              <a:rPr/>
+              <a:t> </a:t>
+            </a:r>
+            <a:r>
+              <a:rPr/>
+              <a:t>columns</a:t>
+            </a:r>
+            <a:r>
+              <a:rPr/>
+              <a:t> </a:t>
+            </a:r>
+            <a:r>
+              <a:rPr/>
+              <a:t>are</a:t>
+            </a:r>
+            <a:r>
+              <a:rPr/>
+              <a:t> </a:t>
+            </a:r>
+            <a:r>
+              <a:rPr/>
+              <a:t>enough</a:t>
+            </a:r>
+            <a:r>
+              <a:rPr/>
+              <a:t> </a:t>
+            </a:r>
+            <a:r>
+              <a:rPr/>
+              <a:t>to</a:t>
+            </a:r>
+            <a:r>
+              <a:rPr/>
+              <a:t> </a:t>
+            </a:r>
+            <a:r>
+              <a:rPr/>
+              <a:t>fit</a:t>
+            </a:r>
+            <a:r>
+              <a:rPr/>
+              <a:t> </a:t>
+            </a:r>
+            <a:r>
+              <a:rPr/>
+              <a:t>any</a:t>
+            </a:r>
+            <a:r>
+              <a:rPr/>
+              <a:t> </a:t>
+            </a:r>
+            <a:r>
+              <a:rPr/>
+              <a:t>possible</a:t>
+            </a:r>
+            <a:r>
+              <a:rPr/>
+              <a:t> </a:t>
+            </a:r>
+            <a:r>
+              <a:rPr/>
+              <a:t>value</a:t>
+            </a:r>
+            <a:r>
+              <a:rPr/>
+              <a:t> </a:t>
+            </a:r>
+            <a:r>
+              <a:rPr/>
+              <a:t>for</a:t>
+            </a:r>
+            <a:r>
+              <a:rPr/>
+              <a:t> </a:t>
+            </a:r>
+            <a:r>
+              <a:rPr/>
+              <a:t>your</a:t>
+            </a:r>
+            <a:r>
+              <a:rPr/>
+              <a:t> </a:t>
+            </a:r>
+            <a:r>
+              <a:rPr/>
+              <a:t>data.</a:t>
+            </a:r>
+            <a:r>
+              <a:rPr/>
+              <a:t> </a:t>
+            </a:r>
+            <a:r>
+              <a:rPr/>
+              <a:t>You</a:t>
+            </a:r>
+            <a:r>
+              <a:rPr/>
+              <a:t> </a:t>
+            </a:r>
+            <a:r>
+              <a:rPr/>
+              <a:t>may</a:t>
+            </a:r>
+            <a:r>
+              <a:rPr/>
+              <a:t> </a:t>
+            </a:r>
+            <a:r>
+              <a:rPr/>
+              <a:t>know</a:t>
+            </a:r>
+            <a:r>
+              <a:rPr/>
+              <a:t> </a:t>
+            </a:r>
+            <a:r>
+              <a:rPr/>
+              <a:t>this</a:t>
+            </a:r>
+            <a:r>
+              <a:rPr/>
+              <a:t> </a:t>
+            </a:r>
+            <a:r>
+              <a:rPr/>
+              <a:t>for</a:t>
+            </a:r>
+            <a:r>
+              <a:rPr/>
+              <a:t> </a:t>
+            </a:r>
+            <a:r>
+              <a:rPr/>
+              <a:t>some</a:t>
+            </a:r>
+            <a:r>
+              <a:rPr/>
+              <a:t> </a:t>
+            </a:r>
+            <a:r>
+              <a:rPr/>
+              <a:t>data.</a:t>
+            </a:r>
+            <a:r>
+              <a:rPr/>
+              <a:t> </a:t>
+            </a:r>
+            <a:r>
+              <a:rPr/>
+              <a:t>An</a:t>
+            </a:r>
+            <a:r>
+              <a:rPr/>
+              <a:t> </a:t>
+            </a:r>
+            <a:r>
+              <a:rPr/>
+              <a:t>Apgar</a:t>
+            </a:r>
+            <a:r>
+              <a:rPr/>
+              <a:t> </a:t>
+            </a:r>
+            <a:r>
+              <a:rPr/>
+              <a:t>score,</a:t>
+            </a:r>
+            <a:r>
+              <a:rPr/>
+              <a:t> </a:t>
+            </a:r>
+            <a:r>
+              <a:rPr/>
+              <a:t>for</a:t>
+            </a:r>
+            <a:r>
+              <a:rPr/>
+              <a:t> </a:t>
+            </a:r>
+            <a:r>
+              <a:rPr/>
+              <a:t>example,</a:t>
+            </a:r>
+            <a:r>
+              <a:rPr/>
+              <a:t> </a:t>
+            </a:r>
+            <a:r>
+              <a:rPr/>
+              <a:t>would</a:t>
+            </a:r>
+            <a:r>
+              <a:rPr/>
+              <a:t> </a:t>
+            </a:r>
+            <a:r>
+              <a:rPr/>
+              <a:t>require</a:t>
+            </a:r>
+            <a:r>
+              <a:rPr/>
+              <a:t> </a:t>
+            </a:r>
+            <a:r>
+              <a:rPr/>
+              <a:t>two</a:t>
+            </a:r>
+            <a:r>
+              <a:rPr/>
+              <a:t> </a:t>
+            </a:r>
+            <a:r>
+              <a:rPr/>
+              <a:t>columns,</a:t>
+            </a:r>
+            <a:r>
+              <a:rPr/>
+              <a:t> </a:t>
+            </a:r>
+            <a:r>
+              <a:rPr/>
+              <a:t>while</a:t>
+            </a:r>
+            <a:r>
+              <a:rPr/>
+              <a:t> </a:t>
+            </a:r>
+            <a:r>
+              <a:rPr/>
+              <a:t>an</a:t>
+            </a:r>
+            <a:r>
+              <a:rPr/>
+              <a:t> </a:t>
+            </a:r>
+            <a:r>
+              <a:rPr/>
+              <a:t>IQ</a:t>
+            </a:r>
+            <a:r>
+              <a:rPr/>
+              <a:t> </a:t>
+            </a:r>
+            <a:r>
+              <a:rPr/>
+              <a:t>score</a:t>
+            </a:r>
+            <a:r>
+              <a:rPr/>
+              <a:t> </a:t>
+            </a:r>
+            <a:r>
+              <a:rPr/>
+              <a:t>would</a:t>
+            </a:r>
+            <a:r>
+              <a:rPr/>
+              <a:t> </a:t>
+            </a:r>
+            <a:r>
+              <a:rPr/>
+              <a:t>require</a:t>
+            </a:r>
+            <a:r>
+              <a:rPr/>
+              <a:t> </a:t>
+            </a:r>
+            <a:r>
+              <a:rPr/>
+              <a:t>thee</a:t>
+            </a:r>
+            <a:r>
+              <a:rPr/>
+              <a:t> </a:t>
+            </a:r>
+            <a:r>
+              <a:rPr/>
+              <a:t>columns.</a:t>
+            </a:r>
+            <a:r>
+              <a:rPr/>
+              <a:t> </a:t>
+            </a:r>
+            <a:r>
+              <a:rPr/>
+              <a:t>But</a:t>
+            </a:r>
+            <a:r>
+              <a:rPr/>
+              <a:t> </a:t>
+            </a:r>
+            <a:r>
+              <a:rPr/>
+              <a:t>how</a:t>
+            </a:r>
+            <a:r>
+              <a:rPr/>
+              <a:t> </a:t>
+            </a:r>
+            <a:r>
+              <a:rPr/>
+              <a:t>many</a:t>
+            </a:r>
+            <a:r>
+              <a:rPr/>
+              <a:t> </a:t>
+            </a:r>
+            <a:r>
+              <a:rPr/>
+              <a:t>columns</a:t>
+            </a:r>
+            <a:r>
+              <a:rPr/>
+              <a:t> </a:t>
+            </a:r>
+            <a:r>
+              <a:rPr/>
+              <a:t>would</a:t>
+            </a:r>
+            <a:r>
+              <a:rPr/>
+              <a:t> </a:t>
+            </a:r>
+            <a:r>
+              <a:rPr/>
+              <a:t>you</a:t>
+            </a:r>
+            <a:r>
+              <a:rPr/>
+              <a:t> </a:t>
+            </a:r>
+            <a:r>
+              <a:rPr/>
+              <a:t>need</a:t>
+            </a:r>
+            <a:r>
+              <a:rPr/>
+              <a:t> </a:t>
+            </a:r>
+            <a:r>
+              <a:rPr/>
+              <a:t>for</a:t>
+            </a:r>
+            <a:r>
+              <a:rPr/>
+              <a:t> </a:t>
+            </a:r>
+            <a:r>
+              <a:rPr/>
+              <a:t>a</a:t>
+            </a:r>
+            <a:r>
+              <a:rPr/>
+              <a:t> </a:t>
+            </a:r>
+            <a:r>
+              <a:rPr/>
+              <a:t>person’s</a:t>
+            </a:r>
+            <a:r>
+              <a:rPr/>
+              <a:t> </a:t>
+            </a:r>
+            <a:r>
+              <a:rPr/>
+              <a:t>name?</a:t>
+            </a:r>
+          </a:p>
+          <a:p>
+            <a:pPr lvl="0" marL="0" indent="0">
+              <a:buNone/>
+            </a:pPr>
+          </a:p>
+          <a:p>
+            <a:pPr lvl="0" marL="0" indent="0">
+              <a:buNone/>
+            </a:pPr>
+            <a:r>
+              <a:rPr/>
+              <a:t>A</a:t>
+            </a:r>
+            <a:r>
+              <a:rPr/>
+              <a:t> </a:t>
+            </a:r>
+            <a:r>
+              <a:rPr/>
+              <a:t>delimited</a:t>
+            </a:r>
+            <a:r>
+              <a:rPr/>
+              <a:t> </a:t>
+            </a:r>
+            <a:r>
+              <a:rPr/>
+              <a:t>file</a:t>
+            </a:r>
+            <a:r>
+              <a:rPr/>
+              <a:t> </a:t>
+            </a:r>
+            <a:r>
+              <a:rPr/>
+              <a:t>uses</a:t>
+            </a:r>
+            <a:r>
+              <a:rPr/>
+              <a:t> </a:t>
+            </a:r>
+            <a:r>
+              <a:rPr/>
+              <a:t>a</a:t>
+            </a:r>
+            <a:r>
+              <a:rPr/>
+              <a:t> </a:t>
+            </a:r>
+            <a:r>
+              <a:rPr/>
+              <a:t>special</a:t>
+            </a:r>
+            <a:r>
+              <a:rPr/>
+              <a:t> </a:t>
+            </a:r>
+            <a:r>
+              <a:rPr/>
+              <a:t>character,</a:t>
+            </a:r>
+            <a:r>
+              <a:rPr/>
+              <a:t> </a:t>
+            </a:r>
+            <a:r>
+              <a:rPr/>
+              <a:t>called</a:t>
+            </a:r>
+            <a:r>
+              <a:rPr/>
+              <a:t> </a:t>
+            </a:r>
+            <a:r>
+              <a:rPr/>
+              <a:t>a</a:t>
+            </a:r>
+            <a:r>
+              <a:rPr/>
+              <a:t> </a:t>
+            </a:r>
+            <a:r>
+              <a:rPr/>
+              <a:t>delimiter,</a:t>
+            </a:r>
+            <a:r>
+              <a:rPr/>
+              <a:t> </a:t>
+            </a:r>
+            <a:r>
+              <a:rPr/>
+              <a:t>to</a:t>
+            </a:r>
+            <a:r>
+              <a:rPr/>
+              <a:t> </a:t>
+            </a:r>
+            <a:r>
+              <a:rPr/>
+              <a:t>separate</a:t>
+            </a:r>
+            <a:r>
+              <a:rPr/>
+              <a:t> </a:t>
+            </a:r>
+            <a:r>
+              <a:rPr/>
+              <a:t>individual</a:t>
+            </a:r>
+            <a:r>
+              <a:rPr/>
+              <a:t> </a:t>
+            </a:r>
+            <a:r>
+              <a:rPr/>
+              <a:t>data</a:t>
+            </a:r>
+            <a:r>
+              <a:rPr/>
+              <a:t> </a:t>
+            </a:r>
+            <a:r>
+              <a:rPr/>
+              <a:t>values</a:t>
+            </a:r>
+            <a:r>
+              <a:rPr/>
+              <a:t> </a:t>
+            </a:r>
+            <a:r>
+              <a:rPr/>
+              <a:t>within</a:t>
+            </a:r>
+            <a:r>
+              <a:rPr/>
+              <a:t> </a:t>
+            </a:r>
+            <a:r>
+              <a:rPr/>
+              <a:t>a</a:t>
+            </a:r>
+            <a:r>
+              <a:rPr/>
+              <a:t> </a:t>
+            </a:r>
+            <a:r>
+              <a:rPr/>
+              <a:t>row.</a:t>
+            </a:r>
+            <a:r>
+              <a:rPr/>
+              <a:t> </a:t>
+            </a:r>
+            <a:r>
+              <a:rPr/>
+              <a:t>The</a:t>
+            </a:r>
+            <a:r>
+              <a:rPr/>
+              <a:t> </a:t>
+            </a:r>
+            <a:r>
+              <a:rPr/>
+              <a:t>common</a:t>
+            </a:r>
+            <a:r>
+              <a:rPr/>
+              <a:t> </a:t>
+            </a:r>
+            <a:r>
+              <a:rPr/>
+              <a:t>delimiters</a:t>
+            </a:r>
+            <a:r>
+              <a:rPr/>
+              <a:t> </a:t>
+            </a:r>
+            <a:r>
+              <a:rPr/>
+              <a:t>are</a:t>
+            </a:r>
+            <a:r>
+              <a:rPr/>
+              <a:t> </a:t>
+            </a:r>
+            <a:r>
+              <a:rPr/>
+              <a:t>commas,</a:t>
+            </a:r>
+            <a:r>
+              <a:rPr/>
+              <a:t> </a:t>
+            </a:r>
+            <a:r>
+              <a:rPr/>
+              <a:t>spaces,</a:t>
+            </a:r>
+            <a:r>
+              <a:rPr/>
+              <a:t> </a:t>
+            </a:r>
+            <a:r>
+              <a:rPr/>
+              <a:t>and</a:t>
+            </a:r>
+            <a:r>
+              <a:rPr/>
+              <a:t> </a:t>
+            </a:r>
+            <a:r>
+              <a:rPr/>
+              <a:t>tabs.</a:t>
+            </a:r>
+            <a:r>
+              <a:rPr/>
+              <a:t> </a:t>
+            </a:r>
+            <a:r>
+              <a:rPr/>
+              <a:t>Often</a:t>
+            </a:r>
+            <a:r>
+              <a:rPr/>
+              <a:t> </a:t>
+            </a:r>
+            <a:r>
+              <a:rPr/>
+              <a:t>delimited</a:t>
+            </a:r>
+            <a:r>
+              <a:rPr/>
+              <a:t> </a:t>
+            </a:r>
+            <a:r>
+              <a:rPr/>
+              <a:t>files</a:t>
+            </a:r>
+            <a:r>
+              <a:rPr/>
+              <a:t> </a:t>
+            </a:r>
+            <a:r>
+              <a:rPr/>
+              <a:t>will</a:t>
+            </a:r>
+            <a:r>
+              <a:rPr/>
+              <a:t> </a:t>
+            </a:r>
+            <a:r>
+              <a:rPr/>
+              <a:t>place</a:t>
+            </a:r>
+            <a:r>
+              <a:rPr/>
+              <a:t> </a:t>
+            </a:r>
+            <a:r>
+              <a:rPr/>
+              <a:t>quote</a:t>
+            </a:r>
+            <a:r>
+              <a:rPr/>
+              <a:t> </a:t>
+            </a:r>
+            <a:r>
+              <a:rPr/>
+              <a:t>marks</a:t>
+            </a:r>
+            <a:r>
+              <a:rPr/>
+              <a:t> </a:t>
+            </a:r>
+            <a:r>
+              <a:rPr/>
+              <a:t>around</a:t>
+            </a:r>
+            <a:r>
+              <a:rPr/>
+              <a:t> </a:t>
+            </a:r>
+            <a:r>
+              <a:rPr/>
+              <a:t>text,</a:t>
+            </a:r>
+            <a:r>
+              <a:rPr/>
+              <a:t> </a:t>
+            </a:r>
+            <a:r>
+              <a:rPr/>
+              <a:t>especially</a:t>
+            </a:r>
+            <a:r>
+              <a:rPr/>
+              <a:t> </a:t>
+            </a:r>
+            <a:r>
+              <a:rPr/>
+              <a:t>for</a:t>
+            </a:r>
+            <a:r>
+              <a:rPr/>
+              <a:t> </a:t>
+            </a:r>
+            <a:r>
+              <a:rPr/>
+              <a:t>comma</a:t>
+            </a:r>
+            <a:r>
+              <a:rPr/>
+              <a:t> </a:t>
+            </a:r>
+            <a:r>
+              <a:rPr/>
+              <a:t>delimited</a:t>
+            </a:r>
+            <a:r>
+              <a:rPr/>
+              <a:t> </a:t>
+            </a:r>
+            <a:r>
+              <a:rPr/>
+              <a:t>files.</a:t>
+            </a:r>
+          </a:p>
+          <a:p>
+            <a:pPr lvl="0" marL="0" indent="0">
+              <a:buNone/>
+            </a:pPr>
+          </a:p>
+          <a:p>
+            <a:pPr lvl="0" marL="0" indent="0">
+              <a:buNone/>
+            </a:pPr>
+            <a:r>
+              <a:rPr/>
+              <a:t>I</a:t>
+            </a:r>
+            <a:r>
+              <a:rPr/>
+              <a:t> </a:t>
+            </a:r>
+            <a:r>
+              <a:rPr/>
+              <a:t>want</a:t>
+            </a:r>
+            <a:r>
+              <a:rPr/>
+              <a:t> </a:t>
+            </a:r>
+            <a:r>
+              <a:rPr/>
+              <a:t>to</a:t>
+            </a:r>
+            <a:r>
+              <a:rPr/>
+              <a:t> </a:t>
+            </a:r>
+            <a:r>
+              <a:rPr/>
+              <a:t>show</a:t>
+            </a:r>
+            <a:r>
+              <a:rPr/>
+              <a:t> </a:t>
+            </a:r>
+            <a:r>
+              <a:rPr/>
+              <a:t>some</a:t>
+            </a:r>
+            <a:r>
+              <a:rPr/>
+              <a:t> </a:t>
+            </a:r>
+            <a:r>
+              <a:rPr/>
+              <a:t>examples</a:t>
+            </a:r>
+            <a:r>
+              <a:rPr/>
+              <a:t> </a:t>
+            </a:r>
+            <a:r>
+              <a:rPr/>
+              <a:t>of</a:t>
+            </a:r>
+            <a:r>
+              <a:rPr/>
+              <a:t> </a:t>
+            </a:r>
+            <a:r>
+              <a:rPr/>
+              <a:t>each</a:t>
+            </a:r>
+            <a:r>
+              <a:rPr/>
+              <a:t> </a:t>
+            </a:r>
+            <a:r>
+              <a:rPr/>
+              <a:t>of</a:t>
+            </a:r>
+            <a:r>
+              <a:rPr/>
+              <a:t> </a:t>
+            </a:r>
+            <a:r>
+              <a:rPr/>
+              <a:t>these</a:t>
+            </a:r>
+            <a:r>
+              <a:rPr/>
+              <a:t> </a:t>
+            </a:r>
+            <a:r>
+              <a:rPr/>
+              <a:t>types</a:t>
+            </a:r>
+            <a:r>
+              <a:rPr/>
+              <a:t> </a:t>
+            </a:r>
+            <a:r>
+              <a:rPr/>
+              <a:t>of</a:t>
+            </a:r>
+            <a:r>
+              <a:rPr/>
+              <a:t> </a:t>
+            </a:r>
+            <a:r>
+              <a:rPr/>
+              <a:t>text</a:t>
+            </a:r>
+            <a:r>
+              <a:rPr/>
+              <a:t> </a:t>
+            </a:r>
+            <a:r>
+              <a:rPr/>
+              <a:t>files.</a:t>
             </a:r>
           </a:p>
         </p:txBody>

--- a/clinical-research-methodology/results/video11-data-management.pptx
+++ b/clinical-research-methodology/results/video11-data-management.pptx
@@ -1,6 +1,6 @@
 
 <file path=ppt/presentation.xml><?xml version="1.0" encoding="utf-8"?>
-<p:presentation xmlns:a="http://schemas.openxmlformats.org/drawingml/2006/main" xmlns:r="http://schemas.openxmlformats.org/officeDocument/2006/relationships" xmlns:p="http://schemas.openxmlformats.org/presentationml/2006/main" saveSubsetFonts="1" autoCompressPictures="0">
+<p:presentation xmlns:a="http://schemas.openxmlformats.org/drawingml/2006/main" xmlns:p="http://schemas.openxmlformats.org/presentationml/2006/main" xmlns:r="http://schemas.openxmlformats.org/officeDocument/2006/relationships" autoCompressPictures="0" saveSubsetFonts="1">
   <p:sldMasterIdLst>
     <p:sldMasterId id="2147483648" r:id="rId1"/>
   </p:sldMasterIdLst>
@@ -65,8 +65,8 @@
     <a:defPPr>
       <a:defRPr lang="en-US"/>
     </a:defPPr>
-    <a:lvl1pPr marL="0" algn="l" defTabSz="457200" rtl="0" eaLnBrk="1" latinLnBrk="0" hangingPunct="1">
-      <a:defRPr sz="1800" kern="1200">
+    <a:lvl1pPr algn="l" defTabSz="457200" eaLnBrk="1" hangingPunct="1" latinLnBrk="0" marL="0" rtl="0">
+      <a:defRPr kern="1200" sz="1800">
         <a:solidFill>
           <a:schemeClr val="tx1"/>
         </a:solidFill>
@@ -75,8 +75,8 @@
         <a:cs typeface="+mn-cs"/>
       </a:defRPr>
     </a:lvl1pPr>
-    <a:lvl2pPr marL="457200" algn="l" defTabSz="457200" rtl="0" eaLnBrk="1" latinLnBrk="0" hangingPunct="1">
-      <a:defRPr sz="1800" kern="1200">
+    <a:lvl2pPr algn="l" defTabSz="457200" eaLnBrk="1" hangingPunct="1" latinLnBrk="0" marL="457200" rtl="0">
+      <a:defRPr kern="1200" sz="1800">
         <a:solidFill>
           <a:schemeClr val="tx1"/>
         </a:solidFill>
@@ -85,8 +85,8 @@
         <a:cs typeface="+mn-cs"/>
       </a:defRPr>
     </a:lvl2pPr>
-    <a:lvl3pPr marL="914400" algn="l" defTabSz="457200" rtl="0" eaLnBrk="1" latinLnBrk="0" hangingPunct="1">
-      <a:defRPr sz="1800" kern="1200">
+    <a:lvl3pPr algn="l" defTabSz="457200" eaLnBrk="1" hangingPunct="1" latinLnBrk="0" marL="914400" rtl="0">
+      <a:defRPr kern="1200" sz="1800">
         <a:solidFill>
           <a:schemeClr val="tx1"/>
         </a:solidFill>
@@ -95,8 +95,8 @@
         <a:cs typeface="+mn-cs"/>
       </a:defRPr>
     </a:lvl3pPr>
-    <a:lvl4pPr marL="1371600" algn="l" defTabSz="457200" rtl="0" eaLnBrk="1" latinLnBrk="0" hangingPunct="1">
-      <a:defRPr sz="1800" kern="1200">
+    <a:lvl4pPr algn="l" defTabSz="457200" eaLnBrk="1" hangingPunct="1" latinLnBrk="0" marL="1371600" rtl="0">
+      <a:defRPr kern="1200" sz="1800">
         <a:solidFill>
           <a:schemeClr val="tx1"/>
         </a:solidFill>
@@ -105,8 +105,8 @@
         <a:cs typeface="+mn-cs"/>
       </a:defRPr>
     </a:lvl4pPr>
-    <a:lvl5pPr marL="1828800" algn="l" defTabSz="457200" rtl="0" eaLnBrk="1" latinLnBrk="0" hangingPunct="1">
-      <a:defRPr sz="1800" kern="1200">
+    <a:lvl5pPr algn="l" defTabSz="457200" eaLnBrk="1" hangingPunct="1" latinLnBrk="0" marL="1828800" rtl="0">
+      <a:defRPr kern="1200" sz="1800">
         <a:solidFill>
           <a:schemeClr val="tx1"/>
         </a:solidFill>
@@ -115,8 +115,8 @@
         <a:cs typeface="+mn-cs"/>
       </a:defRPr>
     </a:lvl5pPr>
-    <a:lvl6pPr marL="2286000" algn="l" defTabSz="457200" rtl="0" eaLnBrk="1" latinLnBrk="0" hangingPunct="1">
-      <a:defRPr sz="1800" kern="1200">
+    <a:lvl6pPr algn="l" defTabSz="457200" eaLnBrk="1" hangingPunct="1" latinLnBrk="0" marL="2286000" rtl="0">
+      <a:defRPr kern="1200" sz="1800">
         <a:solidFill>
           <a:schemeClr val="tx1"/>
         </a:solidFill>
@@ -125,8 +125,8 @@
         <a:cs typeface="+mn-cs"/>
       </a:defRPr>
     </a:lvl6pPr>
-    <a:lvl7pPr marL="2743200" algn="l" defTabSz="457200" rtl="0" eaLnBrk="1" latinLnBrk="0" hangingPunct="1">
-      <a:defRPr sz="1800" kern="1200">
+    <a:lvl7pPr algn="l" defTabSz="457200" eaLnBrk="1" hangingPunct="1" latinLnBrk="0" marL="2743200" rtl="0">
+      <a:defRPr kern="1200" sz="1800">
         <a:solidFill>
           <a:schemeClr val="tx1"/>
         </a:solidFill>
@@ -135,8 +135,8 @@
         <a:cs typeface="+mn-cs"/>
       </a:defRPr>
     </a:lvl7pPr>
-    <a:lvl8pPr marL="3200400" algn="l" defTabSz="457200" rtl="0" eaLnBrk="1" latinLnBrk="0" hangingPunct="1">
-      <a:defRPr sz="1800" kern="1200">
+    <a:lvl8pPr algn="l" defTabSz="457200" eaLnBrk="1" hangingPunct="1" latinLnBrk="0" marL="3200400" rtl="0">
+      <a:defRPr kern="1200" sz="1800">
         <a:solidFill>
           <a:schemeClr val="tx1"/>
         </a:solidFill>
@@ -145,8 +145,8 @@
         <a:cs typeface="+mn-cs"/>
       </a:defRPr>
     </a:lvl8pPr>
-    <a:lvl9pPr marL="3657600" algn="l" defTabSz="457200" rtl="0" eaLnBrk="1" latinLnBrk="0" hangingPunct="1">
-      <a:defRPr sz="1800" kern="1200">
+    <a:lvl9pPr algn="l" defTabSz="457200" eaLnBrk="1" hangingPunct="1" latinLnBrk="0" marL="3657600" rtl="0">
+      <a:defRPr kern="1200" sz="1800">
         <a:solidFill>
           <a:schemeClr val="tx1"/>
         </a:solidFill>
@@ -38099,7 +38099,7 @@
             </a:r>
             <a:r>
               <a:rPr/>
-              <a:t>response"</a:t>
+              <a:t>response”</a:t>
             </a:r>
             <a:r>
               <a:rPr/>
@@ -38403,7 +38403,7 @@
             </a:r>
             <a:r>
               <a:rPr/>
-              <a:t>1."</a:t>
+              <a:t>1.”</a:t>
             </a:r>
           </a:p>
           <a:p>
@@ -67088,7 +67088,7 @@
             <a:spLocks noGrp="1"/>
           </p:cNvSpPr>
           <p:nvPr>
-            <p:ph type="subTitle" idx="1"/>
+            <p:ph idx="1" type="subTitle"/>
           </p:nvPr>
         </p:nvSpPr>
         <p:spPr>
